--- a/Business/President Achrives/Presentation/UNH SEDS Fundrasing Level.pptx
+++ b/Business/President Achrives/Presentation/UNH SEDS Fundrasing Level.pptx
@@ -197,7 +197,7 @@
           <a:p>
             <a:fld id="{79C6A49C-1803-4A28-8D90-751DD6DAEE6E}" type="datetimeFigureOut">
               <a:rPr lang="en-US" smtClean="0"/>
-              <a:t>9/29/2019</a:t>
+              <a:t>10/2/2019</a:t>
             </a:fld>
             <a:endParaRPr lang="en-US"/>
           </a:p>
@@ -649,7 +649,7 @@
           <a:p>
             <a:fld id="{DC4FF77B-AB05-463F-8388-E3EF4DCD9159}" type="datetimeFigureOut">
               <a:rPr lang="en-US" smtClean="0"/>
-              <a:t>9/29/2019</a:t>
+              <a:t>10/2/2019</a:t>
             </a:fld>
             <a:endParaRPr lang="en-US"/>
           </a:p>
@@ -947,7 +947,7 @@
           <a:p>
             <a:fld id="{DC4FF77B-AB05-463F-8388-E3EF4DCD9159}" type="datetimeFigureOut">
               <a:rPr lang="en-US" smtClean="0"/>
-              <a:t>9/29/2019</a:t>
+              <a:t>10/2/2019</a:t>
             </a:fld>
             <a:endParaRPr lang="en-US"/>
           </a:p>
@@ -1139,7 +1139,7 @@
           <a:p>
             <a:fld id="{DC4FF77B-AB05-463F-8388-E3EF4DCD9159}" type="datetimeFigureOut">
               <a:rPr lang="en-US" smtClean="0"/>
-              <a:t>9/29/2019</a:t>
+              <a:t>10/2/2019</a:t>
             </a:fld>
             <a:endParaRPr lang="en-US"/>
           </a:p>
@@ -1400,7 +1400,7 @@
           <a:p>
             <a:fld id="{DC4FF77B-AB05-463F-8388-E3EF4DCD9159}" type="datetimeFigureOut">
               <a:rPr lang="en-US" smtClean="0"/>
-              <a:t>9/29/2019</a:t>
+              <a:t>10/2/2019</a:t>
             </a:fld>
             <a:endParaRPr lang="en-US"/>
           </a:p>
@@ -1824,7 +1824,7 @@
           <a:p>
             <a:fld id="{DC4FF77B-AB05-463F-8388-E3EF4DCD9159}" type="datetimeFigureOut">
               <a:rPr lang="en-US" smtClean="0"/>
-              <a:t>9/29/2019</a:t>
+              <a:t>10/2/2019</a:t>
             </a:fld>
             <a:endParaRPr lang="en-US"/>
           </a:p>
@@ -2361,7 +2361,7 @@
           <a:p>
             <a:fld id="{DC4FF77B-AB05-463F-8388-E3EF4DCD9159}" type="datetimeFigureOut">
               <a:rPr lang="en-US" smtClean="0"/>
-              <a:t>9/29/2019</a:t>
+              <a:t>10/2/2019</a:t>
             </a:fld>
             <a:endParaRPr lang="en-US"/>
           </a:p>
@@ -3225,7 +3225,7 @@
           <a:p>
             <a:fld id="{DC4FF77B-AB05-463F-8388-E3EF4DCD9159}" type="datetimeFigureOut">
               <a:rPr lang="en-US" smtClean="0"/>
-              <a:t>9/29/2019</a:t>
+              <a:t>10/2/2019</a:t>
             </a:fld>
             <a:endParaRPr lang="en-US"/>
           </a:p>
@@ -3395,7 +3395,7 @@
           <a:p>
             <a:fld id="{DC4FF77B-AB05-463F-8388-E3EF4DCD9159}" type="datetimeFigureOut">
               <a:rPr lang="en-US" smtClean="0"/>
-              <a:t>9/29/2019</a:t>
+              <a:t>10/2/2019</a:t>
             </a:fld>
             <a:endParaRPr lang="en-US"/>
           </a:p>
@@ -3579,7 +3579,7 @@
           <a:p>
             <a:fld id="{DC4FF77B-AB05-463F-8388-E3EF4DCD9159}" type="datetimeFigureOut">
               <a:rPr lang="en-US" smtClean="0"/>
-              <a:t>9/29/2019</a:t>
+              <a:t>10/2/2019</a:t>
             </a:fld>
             <a:endParaRPr lang="en-US"/>
           </a:p>
@@ -3749,7 +3749,7 @@
           <a:p>
             <a:fld id="{DC4FF77B-AB05-463F-8388-E3EF4DCD9159}" type="datetimeFigureOut">
               <a:rPr lang="en-US" smtClean="0"/>
-              <a:t>9/29/2019</a:t>
+              <a:t>10/2/2019</a:t>
             </a:fld>
             <a:endParaRPr lang="en-US"/>
           </a:p>
@@ -3993,7 +3993,7 @@
           <a:p>
             <a:fld id="{DC4FF77B-AB05-463F-8388-E3EF4DCD9159}" type="datetimeFigureOut">
               <a:rPr lang="en-US" smtClean="0"/>
-              <a:t>9/29/2019</a:t>
+              <a:t>10/2/2019</a:t>
             </a:fld>
             <a:endParaRPr lang="en-US"/>
           </a:p>
@@ -4229,7 +4229,7 @@
           <a:p>
             <a:fld id="{DC4FF77B-AB05-463F-8388-E3EF4DCD9159}" type="datetimeFigureOut">
               <a:rPr lang="en-US" smtClean="0"/>
-              <a:t>9/29/2019</a:t>
+              <a:t>10/2/2019</a:t>
             </a:fld>
             <a:endParaRPr lang="en-US"/>
           </a:p>
@@ -4695,7 +4695,7 @@
           <a:p>
             <a:fld id="{DC4FF77B-AB05-463F-8388-E3EF4DCD9159}" type="datetimeFigureOut">
               <a:rPr lang="en-US" smtClean="0"/>
-              <a:t>9/29/2019</a:t>
+              <a:t>10/2/2019</a:t>
             </a:fld>
             <a:endParaRPr lang="en-US"/>
           </a:p>
@@ -4813,7 +4813,7 @@
           <a:p>
             <a:fld id="{DC4FF77B-AB05-463F-8388-E3EF4DCD9159}" type="datetimeFigureOut">
               <a:rPr lang="en-US" smtClean="0"/>
-              <a:t>9/29/2019</a:t>
+              <a:t>10/2/2019</a:t>
             </a:fld>
             <a:endParaRPr lang="en-US"/>
           </a:p>
@@ -4908,7 +4908,7 @@
           <a:p>
             <a:fld id="{DC4FF77B-AB05-463F-8388-E3EF4DCD9159}" type="datetimeFigureOut">
               <a:rPr lang="en-US" smtClean="0"/>
-              <a:t>9/29/2019</a:t>
+              <a:t>10/2/2019</a:t>
             </a:fld>
             <a:endParaRPr lang="en-US"/>
           </a:p>
@@ -5163,7 +5163,7 @@
           <a:p>
             <a:fld id="{DC4FF77B-AB05-463F-8388-E3EF4DCD9159}" type="datetimeFigureOut">
               <a:rPr lang="en-US" smtClean="0"/>
-              <a:t>9/29/2019</a:t>
+              <a:t>10/2/2019</a:t>
             </a:fld>
             <a:endParaRPr lang="en-US"/>
           </a:p>
@@ -5463,7 +5463,7 @@
           <a:p>
             <a:fld id="{DC4FF77B-AB05-463F-8388-E3EF4DCD9159}" type="datetimeFigureOut">
               <a:rPr lang="en-US" smtClean="0"/>
-              <a:t>9/29/2019</a:t>
+              <a:t>10/2/2019</a:t>
             </a:fld>
             <a:endParaRPr lang="en-US"/>
           </a:p>
@@ -5697,7 +5697,7 @@
           <a:p>
             <a:fld id="{DC4FF77B-AB05-463F-8388-E3EF4DCD9159}" type="datetimeFigureOut">
               <a:rPr lang="en-US" smtClean="0"/>
-              <a:t>9/29/2019</a:t>
+              <a:t>10/2/2019</a:t>
             </a:fld>
             <a:endParaRPr lang="en-US"/>
           </a:p>
@@ -6775,13 +6775,13 @@
               </a:ext>
             </a:extLst>
           </a:blip>
-          <a:srcRect b="17629"/>
+          <a:srcRect t="1" b="34467"/>
           <a:stretch/>
         </p:blipFill>
         <p:spPr>
           <a:xfrm rot="5400000">
-            <a:off x="4890866" y="-711517"/>
-            <a:ext cx="4164348" cy="9350638"/>
+            <a:off x="5846616" y="244233"/>
+            <a:ext cx="4164348" cy="7439137"/>
           </a:xfrm>
           <a:prstGeom prst="rect">
             <a:avLst/>
@@ -6871,7 +6871,7 @@
             <a:r>
               <a:rPr lang="en-US" dirty="0">
                 <a:solidFill>
-                  <a:srgbClr val="00B050"/>
+                  <a:srgbClr val="FF0000"/>
                 </a:solidFill>
               </a:rPr>
               <a:t>$8,000.00</a:t>
@@ -6882,7 +6882,7 @@
             <a:r>
               <a:rPr lang="en-US" dirty="0">
                 <a:solidFill>
-                  <a:srgbClr val="00B050"/>
+                  <a:srgbClr val="FF0000"/>
                 </a:solidFill>
               </a:rPr>
               <a:t>Chicken Suit</a:t>
@@ -7103,13 +7103,13 @@
               </a:ext>
             </a:extLst>
           </a:blip>
-          <a:srcRect t="82371"/>
+          <a:srcRect t="65532" b="1"/>
           <a:stretch/>
         </p:blipFill>
         <p:spPr>
           <a:xfrm rot="5400000">
-            <a:off x="-785060" y="2963194"/>
-            <a:ext cx="4164348" cy="2001216"/>
+            <a:off x="170689" y="2007444"/>
+            <a:ext cx="4164348" cy="3912715"/>
           </a:xfrm>
           <a:prstGeom prst="rect">
             <a:avLst/>
